--- a/doc/Task06/KrankheitDatenbank.pptx
+++ b/doc/Task06/KrankheitDatenbank.pptx
@@ -1,6 +1,6 @@
 
 <file path=ppt/presentation.xml><?xml version="1.0" encoding="utf-8"?>
-<p:presentation xmlns:a="http://schemas.openxmlformats.org/drawingml/2006/main" xmlns:r="http://schemas.openxmlformats.org/officeDocument/2006/relationships" xmlns:p="http://schemas.openxmlformats.org/presentationml/2006/main" saveSubsetFonts="1">
+<p:presentation xmlns:a="http://schemas.openxmlformats.org/drawingml/2006/main" xmlns:r="http://schemas.openxmlformats.org/officeDocument/2006/relationships" xmlns:p="http://schemas.openxmlformats.org/presentationml/2006/main" serverZoom="30403" saveSubsetFonts="1">
   <p:sldMasterIdLst>
     <p:sldMasterId id="2147483648" r:id="rId1"/>
   </p:sldMasterIdLst>
@@ -243,7 +243,7 @@
           <a:p>
             <a:fld id="{2077321B-280C-48A1-BCCC-AAC9A441E364}" type="datetimeFigureOut">
               <a:rPr lang="de-CH" smtClean="0"/>
-              <a:t>22.10.2015</a:t>
+              <a:t>29.10.2015</a:t>
             </a:fld>
             <a:endParaRPr lang="de-CH"/>
           </a:p>
@@ -413,7 +413,7 @@
           <a:p>
             <a:fld id="{2077321B-280C-48A1-BCCC-AAC9A441E364}" type="datetimeFigureOut">
               <a:rPr lang="de-CH" smtClean="0"/>
-              <a:t>22.10.2015</a:t>
+              <a:t>29.10.2015</a:t>
             </a:fld>
             <a:endParaRPr lang="de-CH"/>
           </a:p>
@@ -593,7 +593,7 @@
           <a:p>
             <a:fld id="{2077321B-280C-48A1-BCCC-AAC9A441E364}" type="datetimeFigureOut">
               <a:rPr lang="de-CH" smtClean="0"/>
-              <a:t>22.10.2015</a:t>
+              <a:t>29.10.2015</a:t>
             </a:fld>
             <a:endParaRPr lang="de-CH"/>
           </a:p>
@@ -763,7 +763,7 @@
           <a:p>
             <a:fld id="{2077321B-280C-48A1-BCCC-AAC9A441E364}" type="datetimeFigureOut">
               <a:rPr lang="de-CH" smtClean="0"/>
-              <a:t>22.10.2015</a:t>
+              <a:t>29.10.2015</a:t>
             </a:fld>
             <a:endParaRPr lang="de-CH"/>
           </a:p>
@@ -1009,7 +1009,7 @@
           <a:p>
             <a:fld id="{2077321B-280C-48A1-BCCC-AAC9A441E364}" type="datetimeFigureOut">
               <a:rPr lang="de-CH" smtClean="0"/>
-              <a:t>22.10.2015</a:t>
+              <a:t>29.10.2015</a:t>
             </a:fld>
             <a:endParaRPr lang="de-CH"/>
           </a:p>
@@ -1241,7 +1241,7 @@
           <a:p>
             <a:fld id="{2077321B-280C-48A1-BCCC-AAC9A441E364}" type="datetimeFigureOut">
               <a:rPr lang="de-CH" smtClean="0"/>
-              <a:t>22.10.2015</a:t>
+              <a:t>29.10.2015</a:t>
             </a:fld>
             <a:endParaRPr lang="de-CH"/>
           </a:p>
@@ -1608,7 +1608,7 @@
           <a:p>
             <a:fld id="{2077321B-280C-48A1-BCCC-AAC9A441E364}" type="datetimeFigureOut">
               <a:rPr lang="de-CH" smtClean="0"/>
-              <a:t>22.10.2015</a:t>
+              <a:t>29.10.2015</a:t>
             </a:fld>
             <a:endParaRPr lang="de-CH"/>
           </a:p>
@@ -1726,7 +1726,7 @@
           <a:p>
             <a:fld id="{2077321B-280C-48A1-BCCC-AAC9A441E364}" type="datetimeFigureOut">
               <a:rPr lang="de-CH" smtClean="0"/>
-              <a:t>22.10.2015</a:t>
+              <a:t>29.10.2015</a:t>
             </a:fld>
             <a:endParaRPr lang="de-CH"/>
           </a:p>
@@ -1821,7 +1821,7 @@
           <a:p>
             <a:fld id="{2077321B-280C-48A1-BCCC-AAC9A441E364}" type="datetimeFigureOut">
               <a:rPr lang="de-CH" smtClean="0"/>
-              <a:t>22.10.2015</a:t>
+              <a:t>29.10.2015</a:t>
             </a:fld>
             <a:endParaRPr lang="de-CH"/>
           </a:p>
@@ -2098,7 +2098,7 @@
           <a:p>
             <a:fld id="{2077321B-280C-48A1-BCCC-AAC9A441E364}" type="datetimeFigureOut">
               <a:rPr lang="de-CH" smtClean="0"/>
-              <a:t>22.10.2015</a:t>
+              <a:t>29.10.2015</a:t>
             </a:fld>
             <a:endParaRPr lang="de-CH"/>
           </a:p>
@@ -2351,7 +2351,7 @@
           <a:p>
             <a:fld id="{2077321B-280C-48A1-BCCC-AAC9A441E364}" type="datetimeFigureOut">
               <a:rPr lang="de-CH" smtClean="0"/>
-              <a:t>22.10.2015</a:t>
+              <a:t>29.10.2015</a:t>
             </a:fld>
             <a:endParaRPr lang="de-CH"/>
           </a:p>
@@ -2564,7 +2564,7 @@
           <a:p>
             <a:fld id="{2077321B-280C-48A1-BCCC-AAC9A441E364}" type="datetimeFigureOut">
               <a:rPr lang="de-CH" smtClean="0"/>
-              <a:t>22.10.2015</a:t>
+              <a:t>29.10.2015</a:t>
             </a:fld>
             <a:endParaRPr lang="de-CH"/>
           </a:p>
@@ -3061,7 +3061,7 @@
             <a:pPr algn="ctr"/>
             <a:r>
               <a:rPr lang="de-CH" dirty="0" smtClean="0"/>
-              <a:t>Krankheiterfassen</a:t>
+              <a:t>Neue Krankheiterfassen</a:t>
             </a:r>
             <a:endParaRPr lang="de-CH" dirty="0"/>
           </a:p>
@@ -3201,11 +3201,7 @@
             </a:r>
             <a:r>
               <a:rPr lang="de-CH" dirty="0" smtClean="0"/>
-              <a:t> erfassen. Um eine anschliessende Verlinkung auf mehr Informationen zu bekommen muss die Krankheit in der Datenb</a:t>
-            </a:r>
-            <a:r>
-              <a:rPr lang="de-CH" dirty="0" smtClean="0"/>
-              <a:t>ank vorhanden sein</a:t>
+              <a:t> erfassen. Um eine anschliessende Verlinkung auf mehr Informationen zu bekommen muss die Krankheit in der Datenbank vorhanden sein</a:t>
             </a:r>
             <a:endParaRPr lang="de-CH" dirty="0"/>
           </a:p>
@@ -3436,7 +3432,7 @@
             <a:pPr algn="ctr"/>
             <a:r>
               <a:rPr lang="de-CH" dirty="0" smtClean="0"/>
-              <a:t>Krankheit erfassen</a:t>
+              <a:t>Krankheiterfassung</a:t>
             </a:r>
             <a:endParaRPr lang="de-CH" dirty="0"/>
           </a:p>
@@ -3673,7 +3669,7 @@
         <p:spPr>
           <a:xfrm>
             <a:off x="8100845" y="3065936"/>
-            <a:ext cx="127479" cy="578831"/>
+            <a:ext cx="75043" cy="591182"/>
           </a:xfrm>
           <a:prstGeom prst="straightConnector1">
             <a:avLst/>
@@ -3705,7 +3701,7 @@
         </p:nvSpPr>
         <p:spPr>
           <a:xfrm>
-            <a:off x="6899158" y="3644767"/>
+            <a:off x="6846722" y="3657118"/>
             <a:ext cx="2658331" cy="842211"/>
           </a:xfrm>
           <a:prstGeom prst="rect">
@@ -3735,97 +3731,17 @@
             <a:pPr algn="ctr"/>
             <a:r>
               <a:rPr lang="de-CH" dirty="0" smtClean="0"/>
-              <a:t>Krankheiten erfassen</a:t>
+              <a:t>Erneuter Versuch</a:t>
             </a:r>
             <a:endParaRPr lang="de-CH" dirty="0"/>
           </a:p>
         </p:txBody>
       </p:sp>
-      <p:sp>
-        <p:nvSpPr>
-          <p:cNvPr id="45" name="Abgerundetes Rechteck 44"/>
-          <p:cNvSpPr/>
-          <p:nvPr/>
-        </p:nvSpPr>
-        <p:spPr>
-          <a:xfrm>
-            <a:off x="7533602" y="4955876"/>
-            <a:ext cx="1430854" cy="654880"/>
-          </a:xfrm>
-          <a:prstGeom prst="roundRect">
-            <a:avLst/>
-          </a:prstGeom>
-        </p:spPr>
-        <p:style>
-          <a:lnRef idx="2">
-            <a:schemeClr val="accent1">
-              <a:shade val="50000"/>
-            </a:schemeClr>
-          </a:lnRef>
-          <a:fillRef idx="1">
-            <a:schemeClr val="accent1"/>
-          </a:fillRef>
-          <a:effectRef idx="0">
-            <a:schemeClr val="accent1"/>
-          </a:effectRef>
-          <a:fontRef idx="minor">
-            <a:schemeClr val="lt1"/>
-          </a:fontRef>
-        </p:style>
-        <p:txBody>
-          <a:bodyPr rtlCol="0" anchor="ctr"/>
-          <a:lstStyle/>
-          <a:p>
-            <a:pPr algn="ctr"/>
-            <a:r>
-              <a:rPr lang="de-CH" dirty="0" smtClean="0"/>
-              <a:t>Neue Anfrage</a:t>
-            </a:r>
-            <a:endParaRPr lang="de-CH" dirty="0"/>
-          </a:p>
-        </p:txBody>
-      </p:sp>
-      <p:cxnSp>
-        <p:nvCxnSpPr>
-          <p:cNvPr id="46" name="Gerade Verbindung mit Pfeil 45"/>
-          <p:cNvCxnSpPr>
-            <a:stCxn id="41" idx="2"/>
-            <a:endCxn id="45" idx="0"/>
-          </p:cNvCxnSpPr>
-          <p:nvPr/>
-        </p:nvCxnSpPr>
-        <p:spPr>
-          <a:xfrm>
-            <a:off x="8228324" y="4486978"/>
-            <a:ext cx="20705" cy="468898"/>
-          </a:xfrm>
-          <a:prstGeom prst="straightConnector1">
-            <a:avLst/>
-          </a:prstGeom>
-          <a:ln>
-            <a:tailEnd type="triangle"/>
-          </a:ln>
-        </p:spPr>
-        <p:style>
-          <a:lnRef idx="1">
-            <a:schemeClr val="accent1"/>
-          </a:lnRef>
-          <a:fillRef idx="0">
-            <a:schemeClr val="accent1"/>
-          </a:fillRef>
-          <a:effectRef idx="0">
-            <a:schemeClr val="accent1"/>
-          </a:effectRef>
-          <a:fontRef idx="minor">
-            <a:schemeClr val="tx1"/>
-          </a:fontRef>
-        </p:style>
-      </p:cxnSp>
       <p:cxnSp>
         <p:nvCxnSpPr>
           <p:cNvPr id="49" name="Gekrümmte Verbindung 48"/>
           <p:cNvCxnSpPr>
-            <a:stCxn id="45" idx="1"/>
+            <a:stCxn id="41" idx="1"/>
             <a:endCxn id="7" idx="2"/>
           </p:cNvCxnSpPr>
           <p:nvPr/>
@@ -3833,7 +3749,7 @@
         <p:spPr>
           <a:xfrm rot="10800000">
             <a:off x="4069394" y="1495098"/>
-            <a:ext cx="3464209" cy="3788218"/>
+            <a:ext cx="2777329" cy="2583126"/>
           </a:xfrm>
           <a:prstGeom prst="curvedConnector2">
             <a:avLst/>
